--- a/FlowChart.pptx
+++ b/FlowChart.pptx
@@ -104,6 +104,11 @@
       </a:defRPr>
     </a:lvl9pPr>
   </p:defaultTextStyle>
+  <p:extLst>
+    <p:ext uri="{EFAFB233-063F-42B5-8137-9DF3F51BA10A}">
+      <p15:sldGuideLst xmlns:p15="http://schemas.microsoft.com/office/powerpoint/2012/main"/>
+    </p:ext>
+  </p:extLst>
 </p:presentation>
 </file>
 
@@ -254,7 +259,7 @@
           <a:p>
             <a:fld id="{AFFFB8C1-1346-2F44-8869-0E1404490F4F}" type="datetimeFigureOut">
               <a:rPr lang="en-US" smtClean="0"/>
-              <a:t>10/26/18</a:t>
+              <a:t>10/27/18</a:t>
             </a:fld>
             <a:endParaRPr lang="en-US"/>
           </a:p>
@@ -452,7 +457,7 @@
           <a:p>
             <a:fld id="{AFFFB8C1-1346-2F44-8869-0E1404490F4F}" type="datetimeFigureOut">
               <a:rPr lang="en-US" smtClean="0"/>
-              <a:t>10/26/18</a:t>
+              <a:t>10/27/18</a:t>
             </a:fld>
             <a:endParaRPr lang="en-US"/>
           </a:p>
@@ -660,7 +665,7 @@
           <a:p>
             <a:fld id="{AFFFB8C1-1346-2F44-8869-0E1404490F4F}" type="datetimeFigureOut">
               <a:rPr lang="en-US" smtClean="0"/>
-              <a:t>10/26/18</a:t>
+              <a:t>10/27/18</a:t>
             </a:fld>
             <a:endParaRPr lang="en-US"/>
           </a:p>
@@ -858,7 +863,7 @@
           <a:p>
             <a:fld id="{AFFFB8C1-1346-2F44-8869-0E1404490F4F}" type="datetimeFigureOut">
               <a:rPr lang="en-US" smtClean="0"/>
-              <a:t>10/26/18</a:t>
+              <a:t>10/27/18</a:t>
             </a:fld>
             <a:endParaRPr lang="en-US"/>
           </a:p>
@@ -1133,7 +1138,7 @@
           <a:p>
             <a:fld id="{AFFFB8C1-1346-2F44-8869-0E1404490F4F}" type="datetimeFigureOut">
               <a:rPr lang="en-US" smtClean="0"/>
-              <a:t>10/26/18</a:t>
+              <a:t>10/27/18</a:t>
             </a:fld>
             <a:endParaRPr lang="en-US"/>
           </a:p>
@@ -1398,7 +1403,7 @@
           <a:p>
             <a:fld id="{AFFFB8C1-1346-2F44-8869-0E1404490F4F}" type="datetimeFigureOut">
               <a:rPr lang="en-US" smtClean="0"/>
-              <a:t>10/26/18</a:t>
+              <a:t>10/27/18</a:t>
             </a:fld>
             <a:endParaRPr lang="en-US"/>
           </a:p>
@@ -1810,7 +1815,7 @@
           <a:p>
             <a:fld id="{AFFFB8C1-1346-2F44-8869-0E1404490F4F}" type="datetimeFigureOut">
               <a:rPr lang="en-US" smtClean="0"/>
-              <a:t>10/26/18</a:t>
+              <a:t>10/27/18</a:t>
             </a:fld>
             <a:endParaRPr lang="en-US"/>
           </a:p>
@@ -1951,7 +1956,7 @@
           <a:p>
             <a:fld id="{AFFFB8C1-1346-2F44-8869-0E1404490F4F}" type="datetimeFigureOut">
               <a:rPr lang="en-US" smtClean="0"/>
-              <a:t>10/26/18</a:t>
+              <a:t>10/27/18</a:t>
             </a:fld>
             <a:endParaRPr lang="en-US"/>
           </a:p>
@@ -2064,7 +2069,7 @@
           <a:p>
             <a:fld id="{AFFFB8C1-1346-2F44-8869-0E1404490F4F}" type="datetimeFigureOut">
               <a:rPr lang="en-US" smtClean="0"/>
-              <a:t>10/26/18</a:t>
+              <a:t>10/27/18</a:t>
             </a:fld>
             <a:endParaRPr lang="en-US"/>
           </a:p>
@@ -2375,7 +2380,7 @@
           <a:p>
             <a:fld id="{AFFFB8C1-1346-2F44-8869-0E1404490F4F}" type="datetimeFigureOut">
               <a:rPr lang="en-US" smtClean="0"/>
-              <a:t>10/26/18</a:t>
+              <a:t>10/27/18</a:t>
             </a:fld>
             <a:endParaRPr lang="en-US"/>
           </a:p>
@@ -2663,7 +2668,7 @@
           <a:p>
             <a:fld id="{AFFFB8C1-1346-2F44-8869-0E1404490F4F}" type="datetimeFigureOut">
               <a:rPr lang="en-US" smtClean="0"/>
-              <a:t>10/26/18</a:t>
+              <a:t>10/27/18</a:t>
             </a:fld>
             <a:endParaRPr lang="en-US"/>
           </a:p>
@@ -2904,7 +2909,7 @@
           <a:p>
             <a:fld id="{AFFFB8C1-1346-2F44-8869-0E1404490F4F}" type="datetimeFigureOut">
               <a:rPr lang="en-US" smtClean="0"/>
-              <a:t>10/26/18</a:t>
+              <a:t>10/27/18</a:t>
             </a:fld>
             <a:endParaRPr lang="en-US"/>
           </a:p>
@@ -3363,7 +3368,7 @@
             <a:pPr algn="ctr"/>
             <a:r>
               <a:rPr lang="en-US" dirty="0"/>
-              <a:t>Data Blotter</a:t>
+              <a:t>Data Server</a:t>
             </a:r>
           </a:p>
         </p:txBody>
@@ -3716,7 +3721,7 @@
         <p:spPr>
           <a:xfrm>
             <a:off x="4857750" y="681039"/>
-            <a:ext cx="957263" cy="661987"/>
+            <a:ext cx="1117748" cy="661987"/>
           </a:xfrm>
           <a:prstGeom prst="roundRect">
             <a:avLst/>
@@ -3743,7 +3748,7 @@
             <a:pPr algn="ctr"/>
             <a:r>
               <a:rPr lang="en-US" dirty="0"/>
-              <a:t>MySQL</a:t>
+              <a:t>Database</a:t>
             </a:r>
           </a:p>
         </p:txBody>

--- a/FlowChart.pptx
+++ b/FlowChart.pptx
@@ -259,7 +259,7 @@
           <a:p>
             <a:fld id="{AFFFB8C1-1346-2F44-8869-0E1404490F4F}" type="datetimeFigureOut">
               <a:rPr lang="en-US" smtClean="0"/>
-              <a:t>10/27/18</a:t>
+              <a:t>10/31/18</a:t>
             </a:fld>
             <a:endParaRPr lang="en-US"/>
           </a:p>
@@ -457,7 +457,7 @@
           <a:p>
             <a:fld id="{AFFFB8C1-1346-2F44-8869-0E1404490F4F}" type="datetimeFigureOut">
               <a:rPr lang="en-US" smtClean="0"/>
-              <a:t>10/27/18</a:t>
+              <a:t>10/31/18</a:t>
             </a:fld>
             <a:endParaRPr lang="en-US"/>
           </a:p>
@@ -665,7 +665,7 @@
           <a:p>
             <a:fld id="{AFFFB8C1-1346-2F44-8869-0E1404490F4F}" type="datetimeFigureOut">
               <a:rPr lang="en-US" smtClean="0"/>
-              <a:t>10/27/18</a:t>
+              <a:t>10/31/18</a:t>
             </a:fld>
             <a:endParaRPr lang="en-US"/>
           </a:p>
@@ -863,7 +863,7 @@
           <a:p>
             <a:fld id="{AFFFB8C1-1346-2F44-8869-0E1404490F4F}" type="datetimeFigureOut">
               <a:rPr lang="en-US" smtClean="0"/>
-              <a:t>10/27/18</a:t>
+              <a:t>10/31/18</a:t>
             </a:fld>
             <a:endParaRPr lang="en-US"/>
           </a:p>
@@ -1138,7 +1138,7 @@
           <a:p>
             <a:fld id="{AFFFB8C1-1346-2F44-8869-0E1404490F4F}" type="datetimeFigureOut">
               <a:rPr lang="en-US" smtClean="0"/>
-              <a:t>10/27/18</a:t>
+              <a:t>10/31/18</a:t>
             </a:fld>
             <a:endParaRPr lang="en-US"/>
           </a:p>
@@ -1403,7 +1403,7 @@
           <a:p>
             <a:fld id="{AFFFB8C1-1346-2F44-8869-0E1404490F4F}" type="datetimeFigureOut">
               <a:rPr lang="en-US" smtClean="0"/>
-              <a:t>10/27/18</a:t>
+              <a:t>10/31/18</a:t>
             </a:fld>
             <a:endParaRPr lang="en-US"/>
           </a:p>
@@ -1815,7 +1815,7 @@
           <a:p>
             <a:fld id="{AFFFB8C1-1346-2F44-8869-0E1404490F4F}" type="datetimeFigureOut">
               <a:rPr lang="en-US" smtClean="0"/>
-              <a:t>10/27/18</a:t>
+              <a:t>10/31/18</a:t>
             </a:fld>
             <a:endParaRPr lang="en-US"/>
           </a:p>
@@ -1956,7 +1956,7 @@
           <a:p>
             <a:fld id="{AFFFB8C1-1346-2F44-8869-0E1404490F4F}" type="datetimeFigureOut">
               <a:rPr lang="en-US" smtClean="0"/>
-              <a:t>10/27/18</a:t>
+              <a:t>10/31/18</a:t>
             </a:fld>
             <a:endParaRPr lang="en-US"/>
           </a:p>
@@ -2069,7 +2069,7 @@
           <a:p>
             <a:fld id="{AFFFB8C1-1346-2F44-8869-0E1404490F4F}" type="datetimeFigureOut">
               <a:rPr lang="en-US" smtClean="0"/>
-              <a:t>10/27/18</a:t>
+              <a:t>10/31/18</a:t>
             </a:fld>
             <a:endParaRPr lang="en-US"/>
           </a:p>
@@ -2380,7 +2380,7 @@
           <a:p>
             <a:fld id="{AFFFB8C1-1346-2F44-8869-0E1404490F4F}" type="datetimeFigureOut">
               <a:rPr lang="en-US" smtClean="0"/>
-              <a:t>10/27/18</a:t>
+              <a:t>10/31/18</a:t>
             </a:fld>
             <a:endParaRPr lang="en-US"/>
           </a:p>
@@ -2668,7 +2668,7 @@
           <a:p>
             <a:fld id="{AFFFB8C1-1346-2F44-8869-0E1404490F4F}" type="datetimeFigureOut">
               <a:rPr lang="en-US" smtClean="0"/>
-              <a:t>10/27/18</a:t>
+              <a:t>10/31/18</a:t>
             </a:fld>
             <a:endParaRPr lang="en-US"/>
           </a:p>
@@ -2909,7 +2909,7 @@
           <a:p>
             <a:fld id="{AFFFB8C1-1346-2F44-8869-0E1404490F4F}" type="datetimeFigureOut">
               <a:rPr lang="en-US" smtClean="0"/>
-              <a:t>10/27/18</a:t>
+              <a:t>10/31/18</a:t>
             </a:fld>
             <a:endParaRPr lang="en-US"/>
           </a:p>
@@ -3414,9 +3414,10 @@
           <a:p>
             <a:pPr algn="ctr"/>
             <a:r>
-              <a:rPr lang="en-US" dirty="0"/>
-              <a:t>Meta Strategy</a:t>
-            </a:r>
+              <a:rPr lang="en-US"/>
+              <a:t>Trader</a:t>
+            </a:r>
+            <a:endParaRPr lang="en-US" dirty="0"/>
           </a:p>
           <a:p>
             <a:pPr algn="ctr"/>
